--- a/COMUNICACION EMPRESARIAL/Broadband router user guide.pptx
+++ b/COMUNICACION EMPRESARIAL/Broadband router user guide.pptx
@@ -21,6 +21,9 @@
     <p:sldId id="269" r:id="rId15"/>
     <p:sldId id="270" r:id="rId16"/>
     <p:sldId id="271" r:id="rId17"/>
+    <p:sldId id="272" r:id="rId18"/>
+    <p:sldId id="273" r:id="rId19"/>
+    <p:sldId id="274" r:id="rId20"/>
   </p:sldIdLst>
   <p:sldSz cx="12192000" cy="6858000"/>
   <p:notesSz cx="6858000" cy="9144000"/>
@@ -119,6 +122,11 @@
       </a:defRPr>
     </a:lvl9pPr>
   </p:defaultTextStyle>
+  <p:extLst>
+    <p:ext uri="{EFAFB233-063F-42B5-8137-9DF3F51BA10A}">
+      <p15:sldGuideLst xmlns:p15="http://schemas.microsoft.com/office/powerpoint/2012/main"/>
+    </p:ext>
+  </p:extLst>
 </p:presentation>
 </file>
 
@@ -7982,7 +7990,6 @@
               <a:rPr lang="en-US" sz="2400" dirty="0"/>
               <a:t> line that has been assigned to your network card.</a:t>
             </a:r>
-            <a:endParaRPr lang="en-US" sz="2400" dirty="0"/>
           </a:p>
         </p:txBody>
       </p:sp>
@@ -8145,7 +8152,6 @@
               <a:rPr lang="en-US" sz="2400" dirty="0"/>
               <a:t> protocol for the broadband router.</a:t>
             </a:r>
-            <a:endParaRPr lang="en-US" sz="2400" dirty="0"/>
           </a:p>
         </p:txBody>
       </p:sp>
@@ -8300,7 +8306,6 @@
               <a:rPr lang="en-US" sz="2400" dirty="0"/>
               <a:t>:</a:t>
             </a:r>
-            <a:endParaRPr lang="en-US" sz="2400" dirty="0"/>
           </a:p>
         </p:txBody>
       </p:sp>
@@ -9013,6 +9018,942 @@
     <p:extLst>
       <p:ext uri="{BB962C8B-B14F-4D97-AF65-F5344CB8AC3E}">
         <p14:creationId xmlns:p14="http://schemas.microsoft.com/office/powerpoint/2010/main" val="1689810785"/>
+      </p:ext>
+    </p:extLst>
+  </p:cSld>
+  <p:clrMapOvr>
+    <a:masterClrMapping/>
+  </p:clrMapOvr>
+</p:sld>
+</file>
+
+<file path=ppt/slides/slide17.xml><?xml version="1.0" encoding="utf-8"?>
+<p:sld xmlns:a="http://schemas.openxmlformats.org/drawingml/2006/main" xmlns:r="http://schemas.openxmlformats.org/officeDocument/2006/relationships" xmlns:p="http://schemas.openxmlformats.org/presentationml/2006/main">
+  <p:cSld>
+    <p:spTree>
+      <p:nvGrpSpPr>
+        <p:cNvPr id="1" name=""/>
+        <p:cNvGrpSpPr/>
+        <p:nvPr/>
+      </p:nvGrpSpPr>
+      <p:grpSpPr>
+        <a:xfrm>
+          <a:off x="0" y="0"/>
+          <a:ext cx="0" cy="0"/>
+          <a:chOff x="0" y="0"/>
+          <a:chExt cx="0" cy="0"/>
+        </a:xfrm>
+      </p:grpSpPr>
+      <p:sp>
+        <p:nvSpPr>
+          <p:cNvPr id="2" name="Título 1"/>
+          <p:cNvSpPr>
+            <a:spLocks noGrp="1"/>
+          </p:cNvSpPr>
+          <p:nvPr>
+            <p:ph type="title"/>
+          </p:nvPr>
+        </p:nvSpPr>
+        <p:spPr/>
+        <p:txBody>
+          <a:bodyPr/>
+          <a:lstStyle/>
+          <a:p>
+            <a:r>
+              <a:rPr lang="es-PE" dirty="0" err="1" smtClean="0"/>
+              <a:t>Translate</a:t>
+            </a:r>
+            <a:r>
+              <a:rPr lang="es-PE" dirty="0" smtClean="0"/>
+              <a:t> </a:t>
+            </a:r>
+            <a:r>
+              <a:rPr lang="es-PE" dirty="0" err="1" smtClean="0"/>
+              <a:t>the</a:t>
+            </a:r>
+            <a:r>
+              <a:rPr lang="es-PE" dirty="0" smtClean="0"/>
+              <a:t> </a:t>
+            </a:r>
+            <a:r>
+              <a:rPr lang="es-PE" dirty="0" err="1" smtClean="0"/>
+              <a:t>following</a:t>
+            </a:r>
+            <a:r>
+              <a:rPr lang="es-PE" dirty="0" smtClean="0"/>
+              <a:t> </a:t>
+            </a:r>
+            <a:r>
+              <a:rPr lang="es-PE" dirty="0" err="1" smtClean="0"/>
+              <a:t>compound</a:t>
+            </a:r>
+            <a:r>
+              <a:rPr lang="es-PE" dirty="0" smtClean="0"/>
+              <a:t> </a:t>
+            </a:r>
+            <a:r>
+              <a:rPr lang="es-PE" dirty="0" err="1" smtClean="0"/>
+              <a:t>nouns</a:t>
+            </a:r>
+            <a:r>
+              <a:rPr lang="es-PE" dirty="0" smtClean="0"/>
+              <a:t> </a:t>
+            </a:r>
+            <a:r>
+              <a:rPr lang="es-PE" dirty="0" err="1" smtClean="0"/>
+              <a:t>into</a:t>
+            </a:r>
+            <a:r>
+              <a:rPr lang="es-PE" dirty="0" smtClean="0"/>
+              <a:t> </a:t>
+            </a:r>
+            <a:r>
+              <a:rPr lang="es-PE" dirty="0" err="1" smtClean="0"/>
+              <a:t>Spanish</a:t>
+            </a:r>
+            <a:endParaRPr lang="es-PE" dirty="0"/>
+          </a:p>
+        </p:txBody>
+      </p:sp>
+      <p:sp>
+        <p:nvSpPr>
+          <p:cNvPr id="3" name="Marcador de contenido 2"/>
+          <p:cNvSpPr>
+            <a:spLocks noGrp="1"/>
+          </p:cNvSpPr>
+          <p:nvPr>
+            <p:ph idx="1"/>
+          </p:nvPr>
+        </p:nvSpPr>
+        <p:spPr>
+          <a:xfrm>
+            <a:off x="1197735" y="1764406"/>
+            <a:ext cx="10306877" cy="4146816"/>
+          </a:xfrm>
+        </p:spPr>
+        <p:txBody>
+          <a:bodyPr>
+            <a:noAutofit/>
+          </a:bodyPr>
+          <a:lstStyle/>
+          <a:p>
+            <a:pPr marL="514350" indent="-514350">
+              <a:buFont typeface="+mj-lt"/>
+              <a:buAutoNum type="arabicPeriod"/>
+            </a:pPr>
+            <a:r>
+              <a:rPr lang="es-PE" sz="2400" dirty="0" smtClean="0"/>
+              <a:t>Network </a:t>
+            </a:r>
+            <a:r>
+              <a:rPr lang="es-PE" sz="2400" dirty="0" err="1" smtClean="0"/>
+              <a:t>settings</a:t>
+            </a:r>
+            <a:r>
+              <a:rPr lang="es-PE" sz="2400" dirty="0" smtClean="0"/>
+              <a:t>(1)        :  ________________________________</a:t>
+            </a:r>
+          </a:p>
+          <a:p>
+            <a:pPr marL="514350" indent="-514350">
+              <a:buFont typeface="+mj-lt"/>
+              <a:buAutoNum type="arabicPeriod"/>
+            </a:pPr>
+            <a:r>
+              <a:rPr lang="es-PE" sz="2400" dirty="0" smtClean="0"/>
+              <a:t> </a:t>
+            </a:r>
+            <a:r>
+              <a:rPr lang="es-PE" sz="2400" dirty="0" err="1" smtClean="0"/>
+              <a:t>Setup</a:t>
+            </a:r>
+            <a:r>
+              <a:rPr lang="es-PE" sz="2400" dirty="0" smtClean="0"/>
+              <a:t> </a:t>
+            </a:r>
+            <a:r>
+              <a:rPr lang="es-PE" sz="2400" dirty="0" err="1" smtClean="0"/>
+              <a:t>Program</a:t>
+            </a:r>
+            <a:r>
+              <a:rPr lang="es-PE" sz="2400" dirty="0" smtClean="0"/>
+              <a:t>(2)    	 :  ________________________________</a:t>
+            </a:r>
+          </a:p>
+          <a:p>
+            <a:pPr marL="514350" indent="-514350">
+              <a:buFont typeface="+mj-lt"/>
+              <a:buAutoNum type="arabicPeriod"/>
+            </a:pPr>
+            <a:r>
+              <a:rPr lang="es-PE" sz="2400" dirty="0" err="1" smtClean="0"/>
+              <a:t>Dialog</a:t>
+            </a:r>
+            <a:r>
+              <a:rPr lang="es-PE" sz="2400" dirty="0" smtClean="0"/>
+              <a:t> box(6)                    :  ________________________________</a:t>
+            </a:r>
+          </a:p>
+          <a:p>
+            <a:pPr marL="514350" indent="-514350">
+              <a:buFont typeface="+mj-lt"/>
+              <a:buAutoNum type="arabicPeriod"/>
+            </a:pPr>
+            <a:r>
+              <a:rPr lang="es-PE" sz="2400" dirty="0" err="1" smtClean="0"/>
+              <a:t>Drop</a:t>
+            </a:r>
+            <a:r>
+              <a:rPr lang="es-PE" sz="2400" dirty="0" smtClean="0"/>
+              <a:t> </a:t>
+            </a:r>
+            <a:r>
+              <a:rPr lang="es-PE" sz="2400" dirty="0" err="1" smtClean="0"/>
+              <a:t>down</a:t>
+            </a:r>
+            <a:r>
+              <a:rPr lang="es-PE" sz="2400" dirty="0" smtClean="0"/>
+              <a:t> menú(9)        :  _________________________________</a:t>
+            </a:r>
+          </a:p>
+          <a:p>
+            <a:pPr marL="514350" indent="-514350">
+              <a:buFont typeface="+mj-lt"/>
+              <a:buAutoNum type="arabicPeriod"/>
+            </a:pPr>
+            <a:r>
+              <a:rPr lang="es-PE" sz="2400" dirty="0" smtClean="0"/>
+              <a:t>Default </a:t>
+            </a:r>
+            <a:r>
+              <a:rPr lang="es-PE" sz="2400" dirty="0" err="1" smtClean="0"/>
+              <a:t>dwn</a:t>
+            </a:r>
+            <a:r>
+              <a:rPr lang="es-PE" sz="2400" dirty="0" smtClean="0"/>
+              <a:t> menú(11)    :  _________________________________</a:t>
+            </a:r>
+          </a:p>
+          <a:p>
+            <a:pPr marL="514350" indent="-514350">
+              <a:buFont typeface="+mj-lt"/>
+              <a:buAutoNum type="arabicPeriod"/>
+            </a:pPr>
+            <a:r>
+              <a:rPr lang="es-PE" sz="2400" dirty="0" smtClean="0"/>
+              <a:t>Default Gateway(12)        :  _________________________________</a:t>
+            </a:r>
+          </a:p>
+          <a:p>
+            <a:pPr marL="514350" indent="-514350">
+              <a:buFont typeface="+mj-lt"/>
+              <a:buAutoNum type="arabicPeriod"/>
+            </a:pPr>
+            <a:r>
+              <a:rPr lang="es-PE" sz="2400" dirty="0" err="1" smtClean="0"/>
+              <a:t>Troubleshooting</a:t>
+            </a:r>
+            <a:r>
+              <a:rPr lang="es-PE" sz="2400" dirty="0" smtClean="0"/>
+              <a:t> </a:t>
+            </a:r>
+            <a:r>
+              <a:rPr lang="es-PE" sz="2400" dirty="0" err="1" smtClean="0"/>
+              <a:t>section</a:t>
+            </a:r>
+            <a:r>
+              <a:rPr lang="es-PE" sz="2400" dirty="0" smtClean="0"/>
+              <a:t>(14) : _____________________________</a:t>
+            </a:r>
+          </a:p>
+          <a:p>
+            <a:pPr marL="514350" indent="-514350">
+              <a:buFont typeface="+mj-lt"/>
+              <a:buAutoNum type="arabicPeriod"/>
+            </a:pPr>
+            <a:r>
+              <a:rPr lang="es-PE" sz="2400" dirty="0" err="1" smtClean="0"/>
+              <a:t>Configuration</a:t>
+            </a:r>
+            <a:r>
+              <a:rPr lang="es-PE" sz="2400" dirty="0" smtClean="0"/>
+              <a:t> </a:t>
+            </a:r>
+            <a:r>
+              <a:rPr lang="es-PE" sz="2400" dirty="0" err="1" smtClean="0"/>
+              <a:t>tab</a:t>
+            </a:r>
+            <a:r>
+              <a:rPr lang="es-PE" sz="2400" dirty="0" smtClean="0"/>
+              <a:t>(19)          :_______________________________</a:t>
+            </a:r>
+          </a:p>
+          <a:p>
+            <a:pPr marL="514350" indent="-514350">
+              <a:buFont typeface="+mj-lt"/>
+              <a:buAutoNum type="arabicPeriod"/>
+            </a:pPr>
+            <a:r>
+              <a:rPr lang="es-PE" sz="2400" dirty="0" smtClean="0"/>
+              <a:t>IP </a:t>
+            </a:r>
+            <a:r>
+              <a:rPr lang="es-PE" sz="2400" dirty="0" err="1" smtClean="0"/>
+              <a:t>address</a:t>
+            </a:r>
+            <a:r>
+              <a:rPr lang="es-PE" sz="2400" dirty="0" smtClean="0"/>
+              <a:t> </a:t>
+            </a:r>
+            <a:r>
+              <a:rPr lang="es-PE" sz="2400" dirty="0" err="1" smtClean="0"/>
+              <a:t>field</a:t>
+            </a:r>
+            <a:r>
+              <a:rPr lang="es-PE" sz="2400" dirty="0" smtClean="0"/>
+              <a:t>(39)              :_______________________________</a:t>
+            </a:r>
+          </a:p>
+          <a:p>
+            <a:pPr marL="514350" indent="-514350">
+              <a:buFont typeface="+mj-lt"/>
+              <a:buAutoNum type="arabicPeriod"/>
+            </a:pPr>
+            <a:r>
+              <a:rPr lang="es-PE" sz="2400" dirty="0" err="1" smtClean="0"/>
+              <a:t>Subnet</a:t>
+            </a:r>
+            <a:r>
+              <a:rPr lang="es-PE" sz="2400" dirty="0" smtClean="0"/>
+              <a:t> </a:t>
+            </a:r>
+            <a:r>
+              <a:rPr lang="es-PE" sz="2400" dirty="0" err="1" smtClean="0"/>
+              <a:t>mask</a:t>
+            </a:r>
+            <a:r>
+              <a:rPr lang="es-PE" sz="2400" dirty="0" smtClean="0"/>
+              <a:t> </a:t>
+            </a:r>
+            <a:r>
+              <a:rPr lang="es-PE" sz="2400" dirty="0" err="1" smtClean="0"/>
+              <a:t>field</a:t>
+            </a:r>
+            <a:r>
+              <a:rPr lang="es-PE" sz="2400" dirty="0" smtClean="0"/>
+              <a:t>(40)         :_______________________________</a:t>
+            </a:r>
+            <a:endParaRPr lang="es-PE" sz="2400" dirty="0"/>
+          </a:p>
+        </p:txBody>
+      </p:sp>
+    </p:spTree>
+    <p:extLst>
+      <p:ext uri="{BB962C8B-B14F-4D97-AF65-F5344CB8AC3E}">
+        <p14:creationId xmlns:p14="http://schemas.microsoft.com/office/powerpoint/2010/main" val="3625656395"/>
+      </p:ext>
+    </p:extLst>
+  </p:cSld>
+  <p:clrMapOvr>
+    <a:masterClrMapping/>
+  </p:clrMapOvr>
+</p:sld>
+</file>
+
+<file path=ppt/slides/slide18.xml><?xml version="1.0" encoding="utf-8"?>
+<p:sld xmlns:a="http://schemas.openxmlformats.org/drawingml/2006/main" xmlns:r="http://schemas.openxmlformats.org/officeDocument/2006/relationships" xmlns:p="http://schemas.openxmlformats.org/presentationml/2006/main">
+  <p:cSld>
+    <p:spTree>
+      <p:nvGrpSpPr>
+        <p:cNvPr id="1" name=""/>
+        <p:cNvGrpSpPr/>
+        <p:nvPr/>
+      </p:nvGrpSpPr>
+      <p:grpSpPr>
+        <a:xfrm>
+          <a:off x="0" y="0"/>
+          <a:ext cx="0" cy="0"/>
+          <a:chOff x="0" y="0"/>
+          <a:chExt cx="0" cy="0"/>
+        </a:xfrm>
+      </p:grpSpPr>
+      <p:sp>
+        <p:nvSpPr>
+          <p:cNvPr id="2" name="Título 1"/>
+          <p:cNvSpPr>
+            <a:spLocks noGrp="1"/>
+          </p:cNvSpPr>
+          <p:nvPr>
+            <p:ph type="title"/>
+          </p:nvPr>
+        </p:nvSpPr>
+        <p:spPr/>
+        <p:txBody>
+          <a:bodyPr>
+            <a:normAutofit fontScale="90000"/>
+          </a:bodyPr>
+          <a:lstStyle/>
+          <a:p>
+            <a:r>
+              <a:rPr lang="es-PE" dirty="0" err="1" smtClean="0"/>
+              <a:t>Here</a:t>
+            </a:r>
+            <a:r>
+              <a:rPr lang="es-PE" dirty="0" smtClean="0"/>
+              <a:t> </a:t>
+            </a:r>
+            <a:r>
+              <a:rPr lang="es-PE" dirty="0" err="1" smtClean="0"/>
+              <a:t>you</a:t>
+            </a:r>
+            <a:r>
+              <a:rPr lang="es-PE" dirty="0" smtClean="0"/>
+              <a:t> </a:t>
+            </a:r>
+            <a:r>
+              <a:rPr lang="es-PE" dirty="0" err="1" smtClean="0"/>
+              <a:t>have</a:t>
+            </a:r>
+            <a:r>
+              <a:rPr lang="es-PE" dirty="0" smtClean="0"/>
+              <a:t> a </a:t>
+            </a:r>
+            <a:r>
+              <a:rPr lang="es-PE" dirty="0" err="1" smtClean="0"/>
+              <a:t>list</a:t>
+            </a:r>
+            <a:r>
+              <a:rPr lang="es-PE" dirty="0" smtClean="0"/>
+              <a:t> of </a:t>
+            </a:r>
+            <a:r>
+              <a:rPr lang="es-PE" dirty="0" err="1" smtClean="0"/>
+              <a:t>verbs</a:t>
+            </a:r>
+            <a:r>
+              <a:rPr lang="es-PE" dirty="0" smtClean="0"/>
+              <a:t> </a:t>
+            </a:r>
+            <a:r>
+              <a:rPr lang="es-PE" dirty="0" err="1" smtClean="0"/>
+              <a:t>taken</a:t>
+            </a:r>
+            <a:r>
+              <a:rPr lang="es-PE" dirty="0" smtClean="0"/>
+              <a:t> </a:t>
+            </a:r>
+            <a:r>
+              <a:rPr lang="es-PE" dirty="0" err="1" smtClean="0"/>
+              <a:t>from</a:t>
+            </a:r>
+            <a:r>
+              <a:rPr lang="es-PE" dirty="0" smtClean="0"/>
+              <a:t> </a:t>
+            </a:r>
+            <a:r>
+              <a:rPr lang="es-PE" dirty="0" err="1" smtClean="0"/>
+              <a:t>the</a:t>
+            </a:r>
+            <a:r>
+              <a:rPr lang="es-PE" dirty="0" smtClean="0"/>
+              <a:t> </a:t>
+            </a:r>
+            <a:r>
+              <a:rPr lang="es-PE" dirty="0" err="1" smtClean="0"/>
+              <a:t>text</a:t>
+            </a:r>
+            <a:r>
+              <a:rPr lang="es-PE" dirty="0" smtClean="0"/>
+              <a:t> </a:t>
+            </a:r>
+            <a:r>
+              <a:rPr lang="es-PE" dirty="0" err="1" smtClean="0"/>
+              <a:t>with</a:t>
+            </a:r>
+            <a:r>
+              <a:rPr lang="es-PE" dirty="0" smtClean="0"/>
+              <a:t> </a:t>
+            </a:r>
+            <a:r>
+              <a:rPr lang="es-PE" dirty="0" err="1" smtClean="0"/>
+              <a:t>the</a:t>
+            </a:r>
+            <a:r>
+              <a:rPr lang="es-PE" dirty="0" smtClean="0"/>
+              <a:t> line </a:t>
+            </a:r>
+            <a:r>
+              <a:rPr lang="es-PE" dirty="0" err="1" smtClean="0"/>
+              <a:t>where</a:t>
+            </a:r>
+            <a:r>
+              <a:rPr lang="es-PE" dirty="0" smtClean="0"/>
+              <a:t> </a:t>
+            </a:r>
+            <a:r>
+              <a:rPr lang="es-PE" dirty="0" err="1" smtClean="0"/>
+              <a:t>you</a:t>
+            </a:r>
+            <a:r>
+              <a:rPr lang="es-PE" dirty="0" smtClean="0"/>
+              <a:t> can </a:t>
+            </a:r>
+            <a:r>
+              <a:rPr lang="es-PE" dirty="0" err="1" smtClean="0"/>
+              <a:t>find</a:t>
+            </a:r>
+            <a:r>
+              <a:rPr lang="es-PE" dirty="0" smtClean="0"/>
+              <a:t> </a:t>
+            </a:r>
+            <a:r>
+              <a:rPr lang="es-PE" dirty="0" err="1" smtClean="0"/>
+              <a:t>them</a:t>
+            </a:r>
+            <a:r>
+              <a:rPr lang="es-PE" dirty="0" smtClean="0"/>
+              <a:t> </a:t>
+            </a:r>
+            <a:r>
+              <a:rPr lang="es-PE" dirty="0" err="1" smtClean="0"/>
+              <a:t>Write</a:t>
+            </a:r>
+            <a:r>
+              <a:rPr lang="es-PE" dirty="0" smtClean="0"/>
+              <a:t> </a:t>
+            </a:r>
+            <a:r>
+              <a:rPr lang="es-PE" dirty="0" err="1" smtClean="0"/>
+              <a:t>them</a:t>
+            </a:r>
+            <a:r>
+              <a:rPr lang="es-PE" dirty="0" smtClean="0"/>
+              <a:t> </a:t>
+            </a:r>
+            <a:r>
+              <a:rPr lang="es-PE" dirty="0" err="1" smtClean="0"/>
+              <a:t>next</a:t>
+            </a:r>
+            <a:r>
+              <a:rPr lang="es-PE" dirty="0" smtClean="0"/>
+              <a:t> to </a:t>
+            </a:r>
+            <a:r>
+              <a:rPr lang="es-PE" dirty="0" err="1" smtClean="0"/>
+              <a:t>the</a:t>
+            </a:r>
+            <a:r>
+              <a:rPr lang="es-PE" dirty="0" smtClean="0"/>
+              <a:t> </a:t>
+            </a:r>
+            <a:r>
+              <a:rPr lang="es-PE" dirty="0" err="1" smtClean="0"/>
+              <a:t>appropriate</a:t>
+            </a:r>
+            <a:r>
+              <a:rPr lang="es-PE" dirty="0" smtClean="0"/>
+              <a:t> </a:t>
+            </a:r>
+            <a:r>
+              <a:rPr lang="es-PE" dirty="0" err="1" smtClean="0"/>
+              <a:t>synonym</a:t>
+            </a:r>
+            <a:endParaRPr lang="es-PE" dirty="0"/>
+          </a:p>
+        </p:txBody>
+      </p:sp>
+      <p:sp>
+        <p:nvSpPr>
+          <p:cNvPr id="3" name="Marcador de contenido 2"/>
+          <p:cNvSpPr>
+            <a:spLocks noGrp="1"/>
+          </p:cNvSpPr>
+          <p:nvPr>
+            <p:ph idx="1"/>
+          </p:nvPr>
+        </p:nvSpPr>
+        <p:spPr>
+          <a:xfrm>
+            <a:off x="3017680" y="2325188"/>
+            <a:ext cx="8062175" cy="4255916"/>
+          </a:xfrm>
+        </p:spPr>
+        <p:txBody>
+          <a:bodyPr>
+            <a:normAutofit fontScale="85000" lnSpcReduction="20000"/>
+          </a:bodyPr>
+          <a:lstStyle/>
+          <a:p>
+            <a:endParaRPr lang="es-PE" dirty="0" smtClean="0"/>
+          </a:p>
+          <a:p>
+            <a:endParaRPr lang="es-PE" dirty="0"/>
+          </a:p>
+          <a:p>
+            <a:endParaRPr lang="es-PE" dirty="0" smtClean="0"/>
+          </a:p>
+          <a:p>
+            <a:endParaRPr lang="es-PE" dirty="0"/>
+          </a:p>
+          <a:p>
+            <a:pPr marL="514350" indent="-514350">
+              <a:buFont typeface="+mj-lt"/>
+              <a:buAutoNum type="arabicPeriod"/>
+            </a:pPr>
+            <a:r>
+              <a:rPr lang="es-PE" sz="2600" dirty="0" smtClean="0"/>
+              <a:t>Do:                       ____________________________</a:t>
+            </a:r>
+          </a:p>
+          <a:p>
+            <a:pPr marL="514350" indent="-514350">
+              <a:buFont typeface="+mj-lt"/>
+              <a:buAutoNum type="arabicPeriod"/>
+            </a:pPr>
+            <a:r>
+              <a:rPr lang="es-PE" sz="2600" dirty="0" smtClean="0"/>
+              <a:t>Show :                 ____________________________</a:t>
+            </a:r>
+          </a:p>
+          <a:p>
+            <a:pPr marL="514350" indent="-514350">
+              <a:buFont typeface="+mj-lt"/>
+              <a:buAutoNum type="arabicPeriod"/>
+            </a:pPr>
+            <a:r>
+              <a:rPr lang="es-PE" sz="2600" dirty="0" err="1" smtClean="0"/>
+              <a:t>Appear</a:t>
+            </a:r>
+            <a:r>
+              <a:rPr lang="es-PE" sz="2600" dirty="0" smtClean="0"/>
+              <a:t>:               ____________________________</a:t>
+            </a:r>
+          </a:p>
+          <a:p>
+            <a:pPr marL="514350" indent="-514350">
+              <a:buFont typeface="+mj-lt"/>
+              <a:buAutoNum type="arabicPeriod"/>
+            </a:pPr>
+            <a:r>
+              <a:rPr lang="es-PE" sz="2600" dirty="0" err="1" smtClean="0"/>
+              <a:t>Install</a:t>
+            </a:r>
+            <a:r>
+              <a:rPr lang="es-PE" sz="2600" dirty="0" smtClean="0"/>
+              <a:t>:                 _____________________________</a:t>
+            </a:r>
+          </a:p>
+          <a:p>
+            <a:pPr marL="514350" indent="-514350">
+              <a:buFont typeface="+mj-lt"/>
+              <a:buAutoNum type="arabicPeriod"/>
+            </a:pPr>
+            <a:r>
+              <a:rPr lang="es-PE" sz="2600" dirty="0" err="1" smtClean="0"/>
+              <a:t>Go</a:t>
+            </a:r>
+            <a:r>
+              <a:rPr lang="es-PE" sz="2600" dirty="0" smtClean="0"/>
+              <a:t> to :                 _____________________________</a:t>
+            </a:r>
+          </a:p>
+          <a:p>
+            <a:pPr marL="514350" indent="-514350">
+              <a:buFont typeface="+mj-lt"/>
+              <a:buAutoNum type="arabicPeriod"/>
+            </a:pPr>
+            <a:r>
+              <a:rPr lang="es-PE" sz="2600" dirty="0" err="1" smtClean="0"/>
+              <a:t>Write</a:t>
+            </a:r>
+            <a:r>
+              <a:rPr lang="es-PE" sz="2600" dirty="0" smtClean="0"/>
+              <a:t> :                 _____________________________</a:t>
+            </a:r>
+          </a:p>
+          <a:p>
+            <a:pPr marL="514350" indent="-514350">
+              <a:buFont typeface="+mj-lt"/>
+              <a:buAutoNum type="arabicPeriod"/>
+            </a:pPr>
+            <a:r>
+              <a:rPr lang="es-PE" sz="2600" dirty="0" err="1" smtClean="0"/>
+              <a:t>Go</a:t>
+            </a:r>
+            <a:r>
+              <a:rPr lang="es-PE" sz="2600" dirty="0" smtClean="0"/>
+              <a:t> to :	          _____________________________</a:t>
+            </a:r>
+          </a:p>
+        </p:txBody>
+      </p:sp>
+      <p:sp>
+        <p:nvSpPr>
+          <p:cNvPr id="4" name="CuadroTexto 3"/>
+          <p:cNvSpPr txBox="1"/>
+          <p:nvPr/>
+        </p:nvSpPr>
+        <p:spPr>
+          <a:xfrm>
+            <a:off x="3448594" y="2325188"/>
+            <a:ext cx="7266629" cy="1015663"/>
+          </a:xfrm>
+          <a:prstGeom prst="rect">
+            <a:avLst/>
+          </a:prstGeom>
+          <a:noFill/>
+        </p:spPr>
+        <p:txBody>
+          <a:bodyPr wrap="square" rtlCol="0">
+            <a:spAutoFit/>
+          </a:bodyPr>
+          <a:lstStyle/>
+          <a:p>
+            <a:r>
+              <a:rPr lang="es-PE" sz="2000" dirty="0" err="1" smtClean="0"/>
+              <a:t>Setup</a:t>
+            </a:r>
+            <a:r>
+              <a:rPr lang="es-PE" sz="2000" dirty="0" smtClean="0"/>
+              <a:t>(2)		</a:t>
+            </a:r>
+            <a:r>
+              <a:rPr lang="es-PE" sz="2000" dirty="0" err="1" smtClean="0"/>
+              <a:t>refer</a:t>
+            </a:r>
+            <a:r>
+              <a:rPr lang="es-PE" sz="2000" dirty="0" smtClean="0"/>
+              <a:t> to(4)	</a:t>
+            </a:r>
+            <a:r>
+              <a:rPr lang="es-PE" sz="2000" dirty="0" err="1" smtClean="0"/>
+              <a:t>type</a:t>
+            </a:r>
+            <a:r>
+              <a:rPr lang="es-PE" sz="2000" dirty="0" smtClean="0"/>
+              <a:t>(6)</a:t>
+            </a:r>
+          </a:p>
+          <a:p>
+            <a:r>
+              <a:rPr lang="es-PE" sz="2000" dirty="0" smtClean="0"/>
+              <a:t>Come up(9)              </a:t>
+            </a:r>
+            <a:r>
+              <a:rPr lang="es-PE" sz="2000" dirty="0" err="1" smtClean="0"/>
+              <a:t>display</a:t>
+            </a:r>
+            <a:r>
+              <a:rPr lang="es-PE" sz="2000" dirty="0" smtClean="0"/>
+              <a:t>(11)	</a:t>
+            </a:r>
+            <a:r>
+              <a:rPr lang="es-PE" sz="2000" dirty="0" err="1" smtClean="0"/>
+              <a:t>proceed</a:t>
+            </a:r>
+            <a:r>
+              <a:rPr lang="es-PE" sz="2000" dirty="0" smtClean="0"/>
+              <a:t> to(14)</a:t>
+            </a:r>
+          </a:p>
+          <a:p>
+            <a:r>
+              <a:rPr lang="es-PE" sz="2000" dirty="0" err="1" smtClean="0"/>
+              <a:t>Perform</a:t>
+            </a:r>
+            <a:r>
+              <a:rPr lang="es-PE" sz="2000" dirty="0" smtClean="0"/>
+              <a:t>(28)</a:t>
+            </a:r>
+            <a:endParaRPr lang="es-PE" sz="2000" dirty="0"/>
+          </a:p>
+        </p:txBody>
+      </p:sp>
+    </p:spTree>
+    <p:extLst>
+      <p:ext uri="{BB962C8B-B14F-4D97-AF65-F5344CB8AC3E}">
+        <p14:creationId xmlns:p14="http://schemas.microsoft.com/office/powerpoint/2010/main" val="431561559"/>
+      </p:ext>
+    </p:extLst>
+  </p:cSld>
+  <p:clrMapOvr>
+    <a:masterClrMapping/>
+  </p:clrMapOvr>
+</p:sld>
+</file>
+
+<file path=ppt/slides/slide19.xml><?xml version="1.0" encoding="utf-8"?>
+<p:sld xmlns:a="http://schemas.openxmlformats.org/drawingml/2006/main" xmlns:r="http://schemas.openxmlformats.org/officeDocument/2006/relationships" xmlns:p="http://schemas.openxmlformats.org/presentationml/2006/main">
+  <p:cSld>
+    <p:spTree>
+      <p:nvGrpSpPr>
+        <p:cNvPr id="1" name=""/>
+        <p:cNvGrpSpPr/>
+        <p:nvPr/>
+      </p:nvGrpSpPr>
+      <p:grpSpPr>
+        <a:xfrm>
+          <a:off x="0" y="0"/>
+          <a:ext cx="0" cy="0"/>
+          <a:chOff x="0" y="0"/>
+          <a:chExt cx="0" cy="0"/>
+        </a:xfrm>
+      </p:grpSpPr>
+      <p:sp>
+        <p:nvSpPr>
+          <p:cNvPr id="2" name="Título 1"/>
+          <p:cNvSpPr>
+            <a:spLocks noGrp="1"/>
+          </p:cNvSpPr>
+          <p:nvPr>
+            <p:ph type="title"/>
+          </p:nvPr>
+        </p:nvSpPr>
+        <p:spPr/>
+        <p:txBody>
+          <a:bodyPr/>
+          <a:lstStyle/>
+          <a:p>
+            <a:r>
+              <a:rPr lang="es-PE" dirty="0" err="1" smtClean="0"/>
+              <a:t>Search</a:t>
+            </a:r>
+            <a:r>
+              <a:rPr lang="es-PE" dirty="0" smtClean="0"/>
+              <a:t> in </a:t>
+            </a:r>
+            <a:r>
+              <a:rPr lang="es-PE" dirty="0" err="1" smtClean="0"/>
+              <a:t>the</a:t>
+            </a:r>
+            <a:r>
+              <a:rPr lang="es-PE" dirty="0" smtClean="0"/>
+              <a:t> </a:t>
+            </a:r>
+            <a:r>
+              <a:rPr lang="es-PE" dirty="0" err="1" smtClean="0"/>
+              <a:t>text</a:t>
+            </a:r>
+            <a:r>
+              <a:rPr lang="es-PE" dirty="0" smtClean="0"/>
+              <a:t> </a:t>
+            </a:r>
+            <a:r>
+              <a:rPr lang="es-PE" dirty="0" err="1" smtClean="0"/>
+              <a:t>the</a:t>
+            </a:r>
+            <a:r>
+              <a:rPr lang="es-PE" dirty="0" smtClean="0"/>
+              <a:t> </a:t>
+            </a:r>
+            <a:r>
+              <a:rPr lang="es-PE" dirty="0" err="1" smtClean="0"/>
+              <a:t>following</a:t>
+            </a:r>
+            <a:r>
+              <a:rPr lang="es-PE" dirty="0" smtClean="0"/>
+              <a:t> Windows </a:t>
+            </a:r>
+            <a:r>
+              <a:rPr lang="es-PE" dirty="0" err="1" smtClean="0"/>
+              <a:t>comands</a:t>
+            </a:r>
+            <a:endParaRPr lang="es-PE" dirty="0"/>
+          </a:p>
+        </p:txBody>
+      </p:sp>
+      <p:sp>
+        <p:nvSpPr>
+          <p:cNvPr id="3" name="Marcador de contenido 2"/>
+          <p:cNvSpPr>
+            <a:spLocks noGrp="1"/>
+          </p:cNvSpPr>
+          <p:nvPr>
+            <p:ph idx="1"/>
+          </p:nvPr>
+        </p:nvSpPr>
+        <p:spPr>
+          <a:xfrm>
+            <a:off x="1739207" y="2159358"/>
+            <a:ext cx="8915400" cy="3777622"/>
+          </a:xfrm>
+        </p:spPr>
+        <p:txBody>
+          <a:bodyPr>
+            <a:normAutofit/>
+          </a:bodyPr>
+          <a:lstStyle/>
+          <a:p>
+            <a:pPr marL="514350" indent="-514350">
+              <a:buFont typeface="+mj-lt"/>
+              <a:buAutoNum type="arabicPeriod"/>
+            </a:pPr>
+            <a:r>
+              <a:rPr lang="es-PE" sz="3200" dirty="0" smtClean="0"/>
+              <a:t>Ejecutar :	_______________________</a:t>
+            </a:r>
+          </a:p>
+          <a:p>
+            <a:pPr marL="514350" indent="-514350">
+              <a:buFont typeface="+mj-lt"/>
+              <a:buAutoNum type="arabicPeriod"/>
+            </a:pPr>
+            <a:r>
+              <a:rPr lang="es-PE" sz="3200" dirty="0" smtClean="0"/>
+              <a:t>Inicio      :	_______________________</a:t>
+            </a:r>
+          </a:p>
+          <a:p>
+            <a:pPr marL="514350" indent="-514350">
+              <a:buFont typeface="+mj-lt"/>
+              <a:buAutoNum type="arabicPeriod"/>
+            </a:pPr>
+            <a:r>
+              <a:rPr lang="es-PE" sz="3200" dirty="0" smtClean="0"/>
+              <a:t>Añadir    :	_______________________</a:t>
+            </a:r>
+          </a:p>
+          <a:p>
+            <a:pPr marL="514350" indent="-514350">
+              <a:buFont typeface="+mj-lt"/>
+              <a:buAutoNum type="arabicPeriod"/>
+            </a:pPr>
+            <a:r>
+              <a:rPr lang="es-PE" sz="3200" dirty="0" smtClean="0"/>
+              <a:t>Configuración :   _______________________</a:t>
+            </a:r>
+          </a:p>
+          <a:p>
+            <a:pPr marL="514350" indent="-514350">
+              <a:buFont typeface="+mj-lt"/>
+              <a:buAutoNum type="arabicPeriod"/>
+            </a:pPr>
+            <a:r>
+              <a:rPr lang="es-PE" sz="3200" dirty="0" err="1" smtClean="0"/>
+              <a:t>Go</a:t>
+            </a:r>
+            <a:r>
+              <a:rPr lang="es-PE" sz="3200" dirty="0" smtClean="0"/>
+              <a:t> to :                  _______________________</a:t>
+            </a:r>
+          </a:p>
+          <a:p>
+            <a:pPr marL="514350" indent="-514350">
+              <a:buFont typeface="+mj-lt"/>
+              <a:buAutoNum type="arabicPeriod"/>
+            </a:pPr>
+            <a:r>
+              <a:rPr lang="es-PE" sz="3200" dirty="0" smtClean="0"/>
+              <a:t>Renovar :	 _______________________</a:t>
+            </a:r>
+            <a:endParaRPr lang="es-PE" sz="3200" dirty="0"/>
+          </a:p>
+        </p:txBody>
+      </p:sp>
+    </p:spTree>
+    <p:extLst>
+      <p:ext uri="{BB962C8B-B14F-4D97-AF65-F5344CB8AC3E}">
+        <p14:creationId xmlns:p14="http://schemas.microsoft.com/office/powerpoint/2010/main" val="3423992504"/>
       </p:ext>
     </p:extLst>
   </p:cSld>

--- a/COMUNICACION EMPRESARIAL/Broadband router user guide.pptx
+++ b/COMUNICACION EMPRESARIAL/Broadband router user guide.pptx
@@ -319,7 +319,7 @@
             <a:fld id="{B61BEF0D-F0BB-DE4B-95CE-6DB70DBA9567}" type="datetimeFigureOut">
               <a:rPr lang="en-US" dirty="0"/>
               <a:pPr/>
-              <a:t>7/12/2018</a:t>
+              <a:t>7/13/2018</a:t>
             </a:fld>
             <a:endParaRPr lang="en-US" dirty="0"/>
           </a:p>
@@ -654,7 +654,7 @@
             <a:fld id="{B61BEF0D-F0BB-DE4B-95CE-6DB70DBA9567}" type="datetimeFigureOut">
               <a:rPr lang="en-US" dirty="0"/>
               <a:pPr/>
-              <a:t>7/12/2018</a:t>
+              <a:t>7/13/2018</a:t>
             </a:fld>
             <a:endParaRPr lang="en-US" dirty="0"/>
           </a:p>
@@ -1052,7 +1052,7 @@
             <a:fld id="{B61BEF0D-F0BB-DE4B-95CE-6DB70DBA9567}" type="datetimeFigureOut">
               <a:rPr lang="en-US" dirty="0"/>
               <a:pPr/>
-              <a:t>7/12/2018</a:t>
+              <a:t>7/13/2018</a:t>
             </a:fld>
             <a:endParaRPr lang="en-US" dirty="0"/>
           </a:p>
@@ -1385,7 +1385,7 @@
             <a:fld id="{B61BEF0D-F0BB-DE4B-95CE-6DB70DBA9567}" type="datetimeFigureOut">
               <a:rPr lang="en-US" dirty="0"/>
               <a:pPr/>
-              <a:t>7/12/2018</a:t>
+              <a:t>7/13/2018</a:t>
             </a:fld>
             <a:endParaRPr lang="en-US" dirty="0"/>
           </a:p>
@@ -1702,7 +1702,7 @@
             <a:fld id="{B61BEF0D-F0BB-DE4B-95CE-6DB70DBA9567}" type="datetimeFigureOut">
               <a:rPr lang="en-US" dirty="0"/>
               <a:pPr/>
-              <a:t>7/12/2018</a:t>
+              <a:t>7/13/2018</a:t>
             </a:fld>
             <a:endParaRPr lang="en-US" dirty="0"/>
           </a:p>
@@ -2095,7 +2095,7 @@
             <a:fld id="{B61BEF0D-F0BB-DE4B-95CE-6DB70DBA9567}" type="datetimeFigureOut">
               <a:rPr lang="en-US" dirty="0"/>
               <a:pPr/>
-              <a:t>7/12/2018</a:t>
+              <a:t>7/13/2018</a:t>
             </a:fld>
             <a:endParaRPr lang="en-US" dirty="0"/>
           </a:p>
@@ -2349,7 +2349,7 @@
             <a:fld id="{B61BEF0D-F0BB-DE4B-95CE-6DB70DBA9567}" type="datetimeFigureOut">
               <a:rPr lang="en-US" dirty="0"/>
               <a:pPr/>
-              <a:t>7/12/2018</a:t>
+              <a:t>7/13/2018</a:t>
             </a:fld>
             <a:endParaRPr lang="en-US" dirty="0"/>
           </a:p>
@@ -2608,7 +2608,7 @@
             <a:fld id="{B61BEF0D-F0BB-DE4B-95CE-6DB70DBA9567}" type="datetimeFigureOut">
               <a:rPr lang="en-US" dirty="0"/>
               <a:pPr/>
-              <a:t>7/12/2018</a:t>
+              <a:t>7/13/2018</a:t>
             </a:fld>
             <a:endParaRPr lang="en-US" dirty="0"/>
           </a:p>
@@ -2867,7 +2867,7 @@
             <a:fld id="{B61BEF0D-F0BB-DE4B-95CE-6DB70DBA9567}" type="datetimeFigureOut">
               <a:rPr lang="en-US" dirty="0"/>
               <a:pPr/>
-              <a:t>7/12/2018</a:t>
+              <a:t>7/13/2018</a:t>
             </a:fld>
             <a:endParaRPr lang="en-US" dirty="0"/>
           </a:p>
@@ -3193,7 +3193,7 @@
             <a:fld id="{B61BEF0D-F0BB-DE4B-95CE-6DB70DBA9567}" type="datetimeFigureOut">
               <a:rPr lang="en-US" dirty="0"/>
               <a:pPr/>
-              <a:t>7/12/2018</a:t>
+              <a:t>7/13/2018</a:t>
             </a:fld>
             <a:endParaRPr lang="en-US" dirty="0"/>
           </a:p>
@@ -3513,7 +3513,7 @@
             <a:fld id="{B61BEF0D-F0BB-DE4B-95CE-6DB70DBA9567}" type="datetimeFigureOut">
               <a:rPr lang="en-US" dirty="0"/>
               <a:pPr/>
-              <a:t>7/12/2018</a:t>
+              <a:t>7/13/2018</a:t>
             </a:fld>
             <a:endParaRPr lang="en-US" dirty="0"/>
           </a:p>
@@ -3967,7 +3967,7 @@
             <a:fld id="{B61BEF0D-F0BB-DE4B-95CE-6DB70DBA9567}" type="datetimeFigureOut">
               <a:rPr lang="en-US" dirty="0"/>
               <a:pPr/>
-              <a:t>7/12/2018</a:t>
+              <a:t>7/13/2018</a:t>
             </a:fld>
             <a:endParaRPr lang="en-US" dirty="0"/>
           </a:p>
@@ -4169,7 +4169,7 @@
             <a:fld id="{B61BEF0D-F0BB-DE4B-95CE-6DB70DBA9567}" type="datetimeFigureOut">
               <a:rPr lang="en-US" dirty="0"/>
               <a:pPr/>
-              <a:t>7/12/2018</a:t>
+              <a:t>7/13/2018</a:t>
             </a:fld>
             <a:endParaRPr lang="en-US" dirty="0"/>
           </a:p>
@@ -4343,7 +4343,7 @@
             <a:fld id="{B61BEF0D-F0BB-DE4B-95CE-6DB70DBA9567}" type="datetimeFigureOut">
               <a:rPr lang="en-US" dirty="0"/>
               <a:pPr/>
-              <a:t>7/12/2018</a:t>
+              <a:t>7/13/2018</a:t>
             </a:fld>
             <a:endParaRPr lang="en-US" dirty="0"/>
           </a:p>
@@ -4673,7 +4673,7 @@
             <a:fld id="{B61BEF0D-F0BB-DE4B-95CE-6DB70DBA9567}" type="datetimeFigureOut">
               <a:rPr lang="en-US" dirty="0"/>
               <a:pPr/>
-              <a:t>7/12/2018</a:t>
+              <a:t>7/13/2018</a:t>
             </a:fld>
             <a:endParaRPr lang="en-US" dirty="0"/>
           </a:p>
@@ -5015,7 +5015,7 @@
             <a:fld id="{B61BEF0D-F0BB-DE4B-95CE-6DB70DBA9567}" type="datetimeFigureOut">
               <a:rPr lang="en-US" dirty="0"/>
               <a:pPr/>
-              <a:t>7/12/2018</a:t>
+              <a:t>7/13/2018</a:t>
             </a:fld>
             <a:endParaRPr lang="en-US" dirty="0"/>
           </a:p>
@@ -7129,7 +7129,7 @@
             <a:fld id="{B61BEF0D-F0BB-DE4B-95CE-6DB70DBA9567}" type="datetimeFigureOut">
               <a:rPr lang="en-US" dirty="0"/>
               <a:pPr/>
-              <a:t>7/12/2018</a:t>
+              <a:t>7/13/2018</a:t>
             </a:fld>
             <a:endParaRPr lang="en-US" dirty="0"/>
           </a:p>
@@ -7696,7 +7696,9 @@
         </p:nvSpPr>
         <p:spPr/>
         <p:txBody>
-          <a:bodyPr/>
+          <a:bodyPr>
+            <a:normAutofit lnSpcReduction="10000"/>
+          </a:bodyPr>
           <a:lstStyle/>
           <a:p>
             <a:r>
@@ -7707,6 +7709,28 @@
               <a:rPr lang="es-PE" dirty="0" smtClean="0"/>
               <a:t>:</a:t>
             </a:r>
+          </a:p>
+          <a:p>
+            <a:r>
+              <a:rPr lang="es-PE" dirty="0" smtClean="0"/>
+              <a:t>Neira</a:t>
+            </a:r>
+            <a:endParaRPr lang="es-PE" dirty="0" smtClean="0"/>
+          </a:p>
+          <a:p>
+            <a:r>
+              <a:rPr lang="es-PE" dirty="0" smtClean="0"/>
+              <a:t>Vilca </a:t>
+            </a:r>
+            <a:r>
+              <a:rPr lang="es-PE" dirty="0" err="1" smtClean="0"/>
+              <a:t>Apaza</a:t>
+            </a:r>
+            <a:r>
+              <a:rPr lang="es-PE" dirty="0" smtClean="0"/>
+              <a:t> Christian</a:t>
+            </a:r>
+            <a:endParaRPr lang="es-PE" dirty="0" smtClean="0"/>
           </a:p>
           <a:p>
             <a:endParaRPr lang="es-PE" dirty="0"/>
@@ -8700,12 +8724,12 @@
               <a:t> address field and in the subnet mask field. </a:t>
             </a:r>
             <a:r>
-              <a:rPr lang="en-US" sz="2400" dirty="0" err="1"/>
-              <a:t>Tje</a:t>
+              <a:rPr lang="en-US" sz="2400" dirty="0" smtClean="0"/>
+              <a:t>The </a:t>
             </a:r>
             <a:r>
               <a:rPr lang="en-US" sz="2400" dirty="0"/>
-              <a:t> default </a:t>
+              <a:t>default </a:t>
             </a:r>
             <a:r>
               <a:rPr lang="en-US" sz="2400" dirty="0" err="1"/>
@@ -10039,12 +10063,12 @@
               <a:t>use the broadband router, your must properly configure the network settings of your Pcs and install the </a:t>
             </a:r>
             <a:r>
-              <a:rPr lang="en-US" sz="2400" dirty="0" err="1"/>
-              <a:t>inclided</a:t>
+              <a:rPr lang="en-US" sz="2400" dirty="0" smtClean="0"/>
+              <a:t>included </a:t>
             </a:r>
             <a:r>
               <a:rPr lang="en-US" sz="2400" dirty="0"/>
-              <a:t> setup program to setup the print server</a:t>
+              <a:t>setup program to setup the print server</a:t>
             </a:r>
             <a:endParaRPr lang="es-PE" sz="2400" dirty="0"/>
           </a:p>
@@ -10466,20 +10490,16 @@
               <a:t> configuration window comes up, </a:t>
             </a:r>
             <a:r>
-              <a:rPr lang="en-US" sz="2800" dirty="0" err="1"/>
-              <a:t>slect</a:t>
+              <a:rPr lang="en-US" sz="2800" dirty="0" smtClean="0"/>
+              <a:t>select </a:t>
             </a:r>
             <a:r>
               <a:rPr lang="en-US" sz="2800" dirty="0"/>
-              <a:t> your network adapter from the </a:t>
-            </a:r>
-            <a:r>
-              <a:rPr lang="en-US" sz="2800" dirty="0" err="1"/>
-              <a:t>frop</a:t>
-            </a:r>
-            <a:r>
-              <a:rPr lang="en-US" sz="2800" dirty="0"/>
-              <a:t>-down </a:t>
+              <a:t>your network adapter from the </a:t>
+            </a:r>
+            <a:r>
+              <a:rPr lang="en-US" sz="2800" dirty="0" smtClean="0"/>
+              <a:t>from-down </a:t>
             </a:r>
             <a:r>
               <a:rPr lang="en-US" sz="2800" dirty="0" err="1"/>
@@ -10514,12 +10534,20 @@
               <a:t> card should be 192.168.123.xxx, when xx is any value between 100 and 199. The default subnet mask is 255.255.255.0 and the default Gateway is 192.168.123.254. if the correct values are not shown, click </a:t>
             </a:r>
             <a:r>
-              <a:rPr lang="en-US" sz="2800" dirty="0" err="1"/>
-              <a:t>reléase</a:t>
+              <a:rPr lang="en-US" sz="2800" dirty="0" smtClean="0"/>
+              <a:t>release </a:t>
             </a:r>
             <a:r>
               <a:rPr lang="en-US" sz="2800" dirty="0"/>
-              <a:t> and then click renew. If the correct values are still not shown, proceed to the troubleshooting section in this manual. Click more info and write down the carious addresses that are listed.</a:t>
+              <a:t>and then click renew. If the correct values are still not shown, </a:t>
+            </a:r>
+            <a:r>
+              <a:rPr lang="en-US" sz="2800" u="sng" dirty="0"/>
+              <a:t>proceed</a:t>
+            </a:r>
+            <a:r>
+              <a:rPr lang="en-US" sz="2800" dirty="0"/>
+              <a:t> to the troubleshooting section in this manual. Click more info and write down the carious addresses that are listed.</a:t>
             </a:r>
             <a:endParaRPr lang="es-PE" sz="2800" dirty="0"/>
           </a:p>
@@ -10719,7 +10747,15 @@
           <a:p>
             <a:r>
               <a:rPr lang="en-US" sz="2400" dirty="0"/>
-              <a:t>In Windows 98 and me: click Windows start, settings and the click control panel. </a:t>
+              <a:t>In Windows </a:t>
+            </a:r>
+            <a:r>
+              <a:rPr lang="en-US" sz="2400" dirty="0" smtClean="0"/>
+              <a:t>98 </a:t>
+            </a:r>
+            <a:r>
+              <a:rPr lang="en-US" sz="2400" dirty="0"/>
+              <a:t>and me: click Windows start, settings and the click control panel. </a:t>
             </a:r>
             <a:r>
               <a:rPr lang="en-US" sz="2400" dirty="0" err="1"/>
